--- a/Präsentationen/Python Erweitert.pptx
+++ b/Präsentationen/Python Erweitert.pptx
@@ -7920,11 +7920,11 @@
               <a:t> </a:t>
             </a:r>
             <a:r>
-              <a:rPr lang="de-DE" i="1" dirty="0" err="1"/>
+              <a:rPr lang="de-DE" i="1" dirty="0" err="1" smtClean="0"/>
               <a:t>methodenname</a:t>
             </a:r>
             <a:r>
-              <a:rPr lang="de-DE" i="1" dirty="0">
+              <a:rPr lang="de-DE" i="1" dirty="0" smtClean="0">
                 <a:solidFill>
                   <a:srgbClr val="F37637"/>
                 </a:solidFill>
@@ -7932,8 +7932,28 @@
               <a:t>(</a:t>
             </a:r>
             <a:r>
+              <a:rPr lang="de-DE" i="1" dirty="0" err="1" smtClean="0">
+                <a:solidFill>
+                  <a:srgbClr val="F37637"/>
+                </a:solidFill>
+              </a:rPr>
+              <a:t>self</a:t>
+            </a:r>
+            <a:r>
+              <a:rPr lang="de-DE" i="1" dirty="0" smtClean="0">
+                <a:solidFill>
+                  <a:srgbClr val="F37637"/>
+                </a:solidFill>
+              </a:rPr>
+              <a:t>, </a:t>
+            </a:r>
+            <a:r>
+              <a:rPr lang="de-DE" i="1" dirty="0" smtClean="0"/>
+              <a:t>argument1</a:t>
+            </a:r>
+            <a:r>
               <a:rPr lang="de-DE" i="1" dirty="0"/>
-              <a:t>argument1, …</a:t>
+              <a:t>, …</a:t>
             </a:r>
             <a:r>
               <a:rPr lang="de-DE" i="1" dirty="0">
@@ -8258,6 +8278,14 @@
                   <a:srgbClr val="F37637"/>
                 </a:solidFill>
               </a:rPr>
+              <a:t> </a:t>
+            </a:r>
+            <a:r>
+              <a:rPr lang="de-DE" i="1" dirty="0" smtClean="0">
+                <a:solidFill>
+                  <a:srgbClr val="F37637"/>
+                </a:solidFill>
+              </a:rPr>
               <a:t> __</a:t>
             </a:r>
             <a:r>
@@ -10918,7 +10946,6 @@
               <a:rPr lang="de-DE" dirty="0" smtClean="0"/>
               <a:t>Objekte</a:t>
             </a:r>
-            <a:endParaRPr lang="de-DE" dirty="0" smtClean="0"/>
           </a:p>
           <a:p>
             <a:pPr lvl="1"/>
